--- a/software architecture.pptx
+++ b/software architecture.pptx
@@ -8,6 +8,7 @@
     <p:sldId id="256" r:id="rId2"/>
     <p:sldId id="257" r:id="rId3"/>
     <p:sldId id="258" r:id="rId4"/>
+    <p:sldId id="259" r:id="rId5"/>
   </p:sldIdLst>
   <p:sldSz cx="12192000" cy="6858000"/>
   <p:notesSz cx="6858000" cy="9144000"/>
@@ -106,6 +107,11 @@
       </a:defRPr>
     </a:lvl9pPr>
   </p:defaultTextStyle>
+  <p:extLst>
+    <p:ext uri="{EFAFB233-063F-42B5-8137-9DF3F51BA10A}">
+      <p15:sldGuideLst xmlns:p15="http://schemas.microsoft.com/office/powerpoint/2012/main"/>
+    </p:ext>
+  </p:extLst>
 </p:presentation>
 </file>
 
@@ -3365,7 +3371,7 @@
           <a:bodyPr/>
           <a:lstStyle/>
           <a:p>
-            <a:endParaRPr lang="fr-FR"/>
+            <a:endParaRPr lang="fr-FR" dirty="0"/>
           </a:p>
         </p:txBody>
       </p:sp>
@@ -3390,7 +3396,7 @@
           <a:bodyPr/>
           <a:lstStyle/>
           <a:p>
-            <a:endParaRPr lang="fr-FR"/>
+            <a:endParaRPr lang="fr-FR" dirty="0"/>
           </a:p>
         </p:txBody>
       </p:sp>
@@ -4241,10 +4247,455 @@
       </p:grpSpPr>
       <p:sp>
         <p:nvSpPr>
-          <p:cNvPr id="4" name="Rectangle: Rounded Corners 3">
-            <a:extLst>
-              <a:ext uri="{FF2B5EF4-FFF2-40B4-BE49-F238E27FC236}">
-                <a16:creationId xmlns:a16="http://schemas.microsoft.com/office/drawing/2014/main" id="{761EEA09-D243-7E02-2B4A-EF652AB5A47A}"/>
+          <p:cNvPr id="2" name="Title 1">
+            <a:extLst>
+              <a:ext uri="{FF2B5EF4-FFF2-40B4-BE49-F238E27FC236}">
+                <a16:creationId xmlns:a16="http://schemas.microsoft.com/office/drawing/2014/main" id="{54BD6C2A-12C0-CC09-AE8C-E91E399E5103}"/>
+              </a:ext>
+            </a:extLst>
+          </p:cNvPr>
+          <p:cNvSpPr>
+            <a:spLocks noGrp="1"/>
+          </p:cNvSpPr>
+          <p:nvPr>
+            <p:ph type="title"/>
+          </p:nvPr>
+        </p:nvSpPr>
+        <p:spPr/>
+        <p:txBody>
+          <a:bodyPr/>
+          <a:lstStyle/>
+          <a:p>
+            <a:r>
+              <a:rPr lang="en-US" dirty="0"/>
+              <a:t>Workflow</a:t>
+            </a:r>
+            <a:endParaRPr lang="fr-FR" dirty="0"/>
+          </a:p>
+        </p:txBody>
+      </p:sp>
+      <p:sp>
+        <p:nvSpPr>
+          <p:cNvPr id="3" name="Content Placeholder 2">
+            <a:extLst>
+              <a:ext uri="{FF2B5EF4-FFF2-40B4-BE49-F238E27FC236}">
+                <a16:creationId xmlns:a16="http://schemas.microsoft.com/office/drawing/2014/main" id="{897B3E19-19B7-66EB-20AC-8A109844CD17}"/>
+              </a:ext>
+            </a:extLst>
+          </p:cNvPr>
+          <p:cNvSpPr>
+            <a:spLocks noGrp="1"/>
+          </p:cNvSpPr>
+          <p:nvPr>
+            <p:ph idx="1"/>
+          </p:nvPr>
+        </p:nvSpPr>
+        <p:spPr/>
+        <p:txBody>
+          <a:bodyPr>
+            <a:normAutofit fontScale="92500" lnSpcReduction="20000"/>
+          </a:bodyPr>
+          <a:lstStyle/>
+          <a:p>
+            <a:r>
+              <a:rPr lang="en-US" dirty="0"/>
+              <a:t>The server is running and waiting to accept new clients.</a:t>
+            </a:r>
+          </a:p>
+          <a:p>
+            <a:r>
+              <a:rPr lang="en-US" dirty="0"/>
+              <a:t>When a client is opening the game, the connection is performed.</a:t>
+            </a:r>
+          </a:p>
+          <a:p>
+            <a:r>
+              <a:rPr lang="fr-FR" dirty="0"/>
+              <a:t>New server:</a:t>
+            </a:r>
+          </a:p>
+          <a:p>
+            <a:pPr lvl="1"/>
+            <a:r>
+              <a:rPr lang="fr-FR" dirty="0"/>
+              <a:t>The client </a:t>
+            </a:r>
+            <a:r>
+              <a:rPr lang="en-US" dirty="0"/>
+              <a:t>send</a:t>
+            </a:r>
+            <a:r>
+              <a:rPr lang="fr-FR" dirty="0"/>
+              <a:t> to the server ‘New server’ flag</a:t>
+            </a:r>
+          </a:p>
+          <a:p>
+            <a:pPr lvl="1"/>
+            <a:r>
+              <a:rPr lang="fr-FR" dirty="0"/>
+              <a:t>If the server </a:t>
+            </a:r>
+            <a:r>
+              <a:rPr lang="en-US" dirty="0"/>
+              <a:t>received</a:t>
+            </a:r>
+            <a:r>
+              <a:rPr lang="fr-FR" dirty="0"/>
+              <a:t> ‘New server’, </a:t>
+            </a:r>
+            <a:r>
+              <a:rPr lang="fr-FR" dirty="0" err="1"/>
+              <a:t>prepare</a:t>
+            </a:r>
+            <a:r>
+              <a:rPr lang="fr-FR" dirty="0"/>
+              <a:t> to </a:t>
+            </a:r>
+            <a:r>
+              <a:rPr lang="fr-FR" dirty="0" err="1"/>
+              <a:t>get</a:t>
+            </a:r>
+            <a:r>
+              <a:rPr lang="fr-FR" dirty="0"/>
+              <a:t> the </a:t>
+            </a:r>
+            <a:r>
+              <a:rPr lang="fr-FR" dirty="0" err="1"/>
+              <a:t>name</a:t>
+            </a:r>
+            <a:r>
+              <a:rPr lang="fr-FR" dirty="0"/>
+              <a:t> of the server</a:t>
+            </a:r>
+          </a:p>
+          <a:p>
+            <a:pPr lvl="1"/>
+            <a:r>
+              <a:rPr lang="fr-FR" dirty="0"/>
+              <a:t>The client </a:t>
+            </a:r>
+            <a:r>
+              <a:rPr lang="fr-FR" dirty="0" err="1"/>
+              <a:t>send</a:t>
+            </a:r>
+            <a:r>
+              <a:rPr lang="fr-FR" dirty="0"/>
+              <a:t> the </a:t>
+            </a:r>
+            <a:r>
+              <a:rPr lang="fr-FR" dirty="0" err="1"/>
+              <a:t>name</a:t>
+            </a:r>
+            <a:r>
+              <a:rPr lang="fr-FR" dirty="0"/>
+              <a:t> of the server</a:t>
+            </a:r>
+          </a:p>
+          <a:p>
+            <a:pPr lvl="1"/>
+            <a:r>
+              <a:rPr lang="fr-FR" dirty="0"/>
+              <a:t>The server </a:t>
+            </a:r>
+            <a:r>
+              <a:rPr lang="fr-FR" dirty="0" err="1"/>
+              <a:t>create</a:t>
+            </a:r>
+            <a:r>
+              <a:rPr lang="fr-FR" dirty="0"/>
+              <a:t> a new Game </a:t>
+            </a:r>
+            <a:r>
+              <a:rPr lang="fr-FR" dirty="0" err="1"/>
+              <a:t>object</a:t>
+            </a:r>
+            <a:r>
+              <a:rPr lang="fr-FR" dirty="0"/>
+              <a:t>, </a:t>
+            </a:r>
+            <a:r>
+              <a:rPr lang="fr-FR" dirty="0" err="1"/>
+              <a:t>with</a:t>
+            </a:r>
+            <a:r>
+              <a:rPr lang="fr-FR" dirty="0"/>
+              <a:t> the </a:t>
+            </a:r>
+            <a:r>
+              <a:rPr lang="fr-FR" dirty="0" err="1"/>
+              <a:t>current</a:t>
+            </a:r>
+            <a:r>
+              <a:rPr lang="fr-FR" dirty="0"/>
+              <a:t> user </a:t>
+            </a:r>
+            <a:r>
+              <a:rPr lang="fr-FR" dirty="0" err="1"/>
+              <a:t>inside</a:t>
+            </a:r>
+            <a:r>
+              <a:rPr lang="fr-FR" dirty="0"/>
+              <a:t> </a:t>
+            </a:r>
+            <a:r>
+              <a:rPr lang="fr-FR" dirty="0" err="1"/>
+              <a:t>it</a:t>
+            </a:r>
+            <a:r>
+              <a:rPr lang="fr-FR" dirty="0"/>
+              <a:t>.</a:t>
+            </a:r>
+          </a:p>
+          <a:p>
+            <a:pPr lvl="1"/>
+            <a:r>
+              <a:rPr lang="fr-FR" dirty="0"/>
+              <a:t>If the client </a:t>
+            </a:r>
+            <a:r>
+              <a:rPr lang="fr-FR" dirty="0" err="1"/>
+              <a:t>send</a:t>
+            </a:r>
+            <a:r>
+              <a:rPr lang="fr-FR" dirty="0"/>
+              <a:t> ‘Back’, </a:t>
+            </a:r>
+            <a:r>
+              <a:rPr lang="fr-FR" dirty="0" err="1"/>
+              <a:t>wait</a:t>
+            </a:r>
+            <a:r>
+              <a:rPr lang="fr-FR" dirty="0"/>
+              <a:t> for the </a:t>
+            </a:r>
+            <a:r>
+              <a:rPr lang="fr-FR" dirty="0" err="1"/>
+              <a:t>next</a:t>
+            </a:r>
+            <a:r>
+              <a:rPr lang="fr-FR" dirty="0"/>
+              <a:t> instruction</a:t>
+            </a:r>
+          </a:p>
+          <a:p>
+            <a:r>
+              <a:rPr lang="fr-FR" dirty="0" err="1"/>
+              <a:t>Join</a:t>
+            </a:r>
+            <a:r>
+              <a:rPr lang="fr-FR" dirty="0"/>
+              <a:t> server:</a:t>
+            </a:r>
+          </a:p>
+          <a:p>
+            <a:pPr lvl="1"/>
+            <a:r>
+              <a:rPr lang="fr-FR" dirty="0"/>
+              <a:t>The client </a:t>
+            </a:r>
+            <a:r>
+              <a:rPr lang="fr-FR" dirty="0" err="1"/>
+              <a:t>send</a:t>
+            </a:r>
+            <a:r>
+              <a:rPr lang="fr-FR" dirty="0"/>
+              <a:t> to the server ‘</a:t>
+            </a:r>
+            <a:r>
+              <a:rPr lang="fr-FR" dirty="0" err="1"/>
+              <a:t>Join</a:t>
+            </a:r>
+            <a:r>
+              <a:rPr lang="fr-FR" dirty="0"/>
+              <a:t> server’ flag</a:t>
+            </a:r>
+          </a:p>
+          <a:p>
+            <a:pPr lvl="1"/>
+            <a:r>
+              <a:rPr lang="fr-FR" dirty="0"/>
+              <a:t>The server </a:t>
+            </a:r>
+            <a:r>
+              <a:rPr lang="fr-FR" dirty="0" err="1"/>
+              <a:t>sends</a:t>
+            </a:r>
+            <a:r>
+              <a:rPr lang="fr-FR" dirty="0"/>
+              <a:t> the </a:t>
+            </a:r>
+            <a:r>
+              <a:rPr lang="fr-FR" dirty="0" err="1"/>
+              <a:t>list</a:t>
+            </a:r>
+            <a:r>
+              <a:rPr lang="fr-FR" dirty="0"/>
+              <a:t> of all Game </a:t>
+            </a:r>
+            <a:r>
+              <a:rPr lang="fr-FR" dirty="0" err="1"/>
+              <a:t>objects</a:t>
+            </a:r>
+            <a:r>
+              <a:rPr lang="fr-FR" dirty="0"/>
+              <a:t> to the client.</a:t>
+            </a:r>
+          </a:p>
+          <a:p>
+            <a:pPr lvl="1"/>
+            <a:r>
+              <a:rPr lang="fr-FR" dirty="0"/>
+              <a:t>The client </a:t>
+            </a:r>
+            <a:r>
+              <a:rPr lang="fr-FR" dirty="0" err="1"/>
+              <a:t>sends</a:t>
+            </a:r>
+            <a:r>
+              <a:rPr lang="fr-FR" dirty="0"/>
+              <a:t> the </a:t>
+            </a:r>
+            <a:r>
+              <a:rPr lang="fr-FR" dirty="0" err="1"/>
+              <a:t>name</a:t>
+            </a:r>
+            <a:r>
+              <a:rPr lang="fr-FR" dirty="0"/>
+              <a:t> of the </a:t>
+            </a:r>
+            <a:r>
+              <a:rPr lang="fr-FR" dirty="0" err="1"/>
+              <a:t>game</a:t>
+            </a:r>
+            <a:r>
+              <a:rPr lang="fr-FR" dirty="0"/>
+              <a:t> or ‘Back’</a:t>
+            </a:r>
+          </a:p>
+          <a:p>
+            <a:pPr lvl="1"/>
+            <a:endParaRPr lang="fr-FR" dirty="0"/>
+          </a:p>
+          <a:p>
+            <a:pPr lvl="1"/>
+            <a:endParaRPr lang="fr-FR" dirty="0"/>
+          </a:p>
+          <a:p>
+            <a:pPr lvl="1"/>
+            <a:endParaRPr lang="fr-FR" dirty="0"/>
+          </a:p>
+        </p:txBody>
+      </p:sp>
+    </p:spTree>
+    <p:extLst>
+      <p:ext uri="{BB962C8B-B14F-4D97-AF65-F5344CB8AC3E}">
+        <p14:creationId xmlns:p14="http://schemas.microsoft.com/office/powerpoint/2010/main" val="3992819606"/>
+      </p:ext>
+    </p:extLst>
+  </p:cSld>
+  <p:clrMapOvr>
+    <a:masterClrMapping/>
+  </p:clrMapOvr>
+</p:sld>
+</file>
+
+<file path=ppt/slides/slide4.xml><?xml version="1.0" encoding="utf-8"?>
+<p:sld xmlns:a="http://schemas.openxmlformats.org/drawingml/2006/main" xmlns:r="http://schemas.openxmlformats.org/officeDocument/2006/relationships" xmlns:p="http://schemas.openxmlformats.org/presentationml/2006/main">
+  <p:cSld>
+    <p:spTree>
+      <p:nvGrpSpPr>
+        <p:cNvPr id="1" name=""/>
+        <p:cNvGrpSpPr/>
+        <p:nvPr/>
+      </p:nvGrpSpPr>
+      <p:grpSpPr>
+        <a:xfrm>
+          <a:off x="0" y="0"/>
+          <a:ext cx="0" cy="0"/>
+          <a:chOff x="0" y="0"/>
+          <a:chExt cx="0" cy="0"/>
+        </a:xfrm>
+      </p:grpSpPr>
+      <p:sp>
+        <p:nvSpPr>
+          <p:cNvPr id="4" name="TextBox 3">
+            <a:extLst>
+              <a:ext uri="{FF2B5EF4-FFF2-40B4-BE49-F238E27FC236}">
+                <a16:creationId xmlns:a16="http://schemas.microsoft.com/office/drawing/2014/main" id="{70F55C89-FA2D-EB2B-5CD7-730489F0EEAB}"/>
+              </a:ext>
+            </a:extLst>
+          </p:cNvPr>
+          <p:cNvSpPr txBox="1"/>
+          <p:nvPr/>
+        </p:nvSpPr>
+        <p:spPr>
+          <a:xfrm>
+            <a:off x="1949112" y="747750"/>
+            <a:ext cx="2662989" cy="371861"/>
+          </a:xfrm>
+          <a:prstGeom prst="rect">
+            <a:avLst/>
+          </a:prstGeom>
+          <a:noFill/>
+        </p:spPr>
+        <p:txBody>
+          <a:bodyPr wrap="square">
+            <a:spAutoFit/>
+          </a:bodyPr>
+          <a:lstStyle/>
+          <a:p>
+            <a:pPr algn="ctr"/>
+            <a:r>
+              <a:rPr lang="en-US" sz="1800" dirty="0"/>
+              <a:t>Server side</a:t>
+            </a:r>
+            <a:endParaRPr lang="en-US" dirty="0"/>
+          </a:p>
+        </p:txBody>
+      </p:sp>
+      <p:sp>
+        <p:nvSpPr>
+          <p:cNvPr id="5" name="TextBox 4">
+            <a:extLst>
+              <a:ext uri="{FF2B5EF4-FFF2-40B4-BE49-F238E27FC236}">
+                <a16:creationId xmlns:a16="http://schemas.microsoft.com/office/drawing/2014/main" id="{E9ACA212-73D1-A57D-6869-2C0D09345F10}"/>
+              </a:ext>
+            </a:extLst>
+          </p:cNvPr>
+          <p:cNvSpPr txBox="1"/>
+          <p:nvPr/>
+        </p:nvSpPr>
+        <p:spPr>
+          <a:xfrm>
+            <a:off x="7491661" y="747750"/>
+            <a:ext cx="2662989" cy="371861"/>
+          </a:xfrm>
+          <a:prstGeom prst="rect">
+            <a:avLst/>
+          </a:prstGeom>
+          <a:noFill/>
+        </p:spPr>
+        <p:txBody>
+          <a:bodyPr wrap="square">
+            <a:spAutoFit/>
+          </a:bodyPr>
+          <a:lstStyle/>
+          <a:p>
+            <a:pPr algn="ctr"/>
+            <a:r>
+              <a:rPr lang="en-US" sz="1800" dirty="0"/>
+              <a:t>Client side</a:t>
+            </a:r>
+            <a:endParaRPr lang="en-US" dirty="0"/>
+          </a:p>
+        </p:txBody>
+      </p:sp>
+      <p:sp>
+        <p:nvSpPr>
+          <p:cNvPr id="6" name="Rectangle: Rounded Corners 5">
+            <a:extLst>
+              <a:ext uri="{FF2B5EF4-FFF2-40B4-BE49-F238E27FC236}">
+                <a16:creationId xmlns:a16="http://schemas.microsoft.com/office/drawing/2014/main" id="{A3AAA7C0-C263-DBEE-32AC-0B8168ED7F2A}"/>
               </a:ext>
             </a:extLst>
           </p:cNvPr>
@@ -4253,8 +4704,8 @@
         </p:nvSpPr>
         <p:spPr>
           <a:xfrm>
-            <a:off x="5028168" y="2558409"/>
-            <a:ext cx="1941095" cy="450731"/>
+            <a:off x="8001036" y="1748913"/>
+            <a:ext cx="1644237" cy="371861"/>
           </a:xfrm>
           <a:prstGeom prst="roundRect">
             <a:avLst/>
@@ -4283,98 +4734,59 @@
             <a:pPr algn="ctr"/>
             <a:r>
               <a:rPr lang="en-US" dirty="0"/>
-              <a:t>New server</a:t>
-            </a:r>
-          </a:p>
-        </p:txBody>
-      </p:sp>
-      <p:sp>
-        <p:nvSpPr>
-          <p:cNvPr id="5" name="Rectangle: Rounded Corners 4">
-            <a:extLst>
-              <a:ext uri="{FF2B5EF4-FFF2-40B4-BE49-F238E27FC236}">
-                <a16:creationId xmlns:a16="http://schemas.microsoft.com/office/drawing/2014/main" id="{787B2FBD-4D1E-FD67-4751-01D536D5D91A}"/>
-              </a:ext>
-            </a:extLst>
-          </p:cNvPr>
-          <p:cNvSpPr/>
+              <a:t>new server</a:t>
+            </a:r>
+          </a:p>
+        </p:txBody>
+      </p:sp>
+      <p:cxnSp>
+        <p:nvCxnSpPr>
+          <p:cNvPr id="8" name="Straight Arrow Connector 7">
+            <a:extLst>
+              <a:ext uri="{FF2B5EF4-FFF2-40B4-BE49-F238E27FC236}">
+                <a16:creationId xmlns:a16="http://schemas.microsoft.com/office/drawing/2014/main" id="{511E4AFA-E383-1099-6621-FB0FD38BA8FD}"/>
+              </a:ext>
+            </a:extLst>
+          </p:cNvPr>
+          <p:cNvCxnSpPr>
+            <a:cxnSpLocks/>
+          </p:cNvCxnSpPr>
           <p:nvPr/>
-        </p:nvSpPr>
+        </p:nvCxnSpPr>
         <p:spPr>
-          <a:xfrm>
-            <a:off x="5028168" y="3128777"/>
-            <a:ext cx="1941095" cy="450731"/>
+          <a:xfrm flipH="1">
+            <a:off x="3633691" y="3012206"/>
+            <a:ext cx="4035618" cy="185930"/>
           </a:xfrm>
-          <a:prstGeom prst="roundRect">
+          <a:prstGeom prst="straightConnector1">
             <a:avLst/>
           </a:prstGeom>
+          <a:ln w="38100">
+            <a:solidFill>
+              <a:schemeClr val="tx1"/>
+            </a:solidFill>
+            <a:tailEnd type="triangle"/>
+          </a:ln>
         </p:spPr>
         <p:style>
           <a:lnRef idx="2">
-            <a:schemeClr val="accent1">
-              <a:shade val="15000"/>
-            </a:schemeClr>
+            <a:schemeClr val="accent1"/>
           </a:lnRef>
-          <a:fillRef idx="1">
+          <a:fillRef idx="0">
             <a:schemeClr val="accent1"/>
           </a:fillRef>
-          <a:effectRef idx="0">
+          <a:effectRef idx="1">
             <a:schemeClr val="accent1"/>
           </a:effectRef>
           <a:fontRef idx="minor">
-            <a:schemeClr val="lt1"/>
+            <a:schemeClr val="tx1"/>
           </a:fontRef>
         </p:style>
-        <p:txBody>
-          <a:bodyPr rtlCol="0" anchor="ctr"/>
-          <a:lstStyle/>
-          <a:p>
-            <a:pPr algn="ctr"/>
-            <a:r>
-              <a:rPr lang="en-US" dirty="0"/>
-              <a:t>Join server</a:t>
-            </a:r>
-          </a:p>
-        </p:txBody>
-      </p:sp>
-      <p:sp>
-        <p:nvSpPr>
-          <p:cNvPr id="6" name="Title 1">
-            <a:extLst>
-              <a:ext uri="{FF2B5EF4-FFF2-40B4-BE49-F238E27FC236}">
-                <a16:creationId xmlns:a16="http://schemas.microsoft.com/office/drawing/2014/main" id="{E3116BF7-CB2D-25BF-D6ED-C75944715B22}"/>
-              </a:ext>
-            </a:extLst>
-          </p:cNvPr>
-          <p:cNvSpPr>
-            <a:spLocks noGrp="1"/>
-          </p:cNvSpPr>
-          <p:nvPr>
-            <p:ph type="title"/>
-          </p:nvPr>
-        </p:nvSpPr>
-        <p:spPr>
-          <a:xfrm>
-            <a:off x="838200" y="365125"/>
-            <a:ext cx="10515600" cy="1325563"/>
-          </a:xfrm>
-        </p:spPr>
-        <p:txBody>
-          <a:bodyPr/>
-          <a:lstStyle/>
-          <a:p>
-            <a:r>
-              <a:rPr lang="en-US" dirty="0"/>
-              <a:t>GUI</a:t>
-            </a:r>
-            <a:endParaRPr lang="fr-FR" dirty="0"/>
-          </a:p>
-        </p:txBody>
-      </p:sp>
+      </p:cxnSp>
     </p:spTree>
     <p:extLst>
       <p:ext uri="{BB962C8B-B14F-4D97-AF65-F5344CB8AC3E}">
-        <p14:creationId xmlns:p14="http://schemas.microsoft.com/office/powerpoint/2010/main" val="1818332676"/>
+        <p14:creationId xmlns:p14="http://schemas.microsoft.com/office/powerpoint/2010/main" val="1242527406"/>
       </p:ext>
     </p:extLst>
   </p:cSld>
